--- a/Documentation/Year-End-Project-Presentation.pptx
+++ b/Documentation/Year-End-Project-Presentation.pptx
@@ -105,11 +105,63 @@
       </a:defRPr>
     </a:lvl9pPr>
   </p:defaultTextStyle>
+  <p:extLst>
+    <p:ext uri="{EFAFB233-063F-42B5-8137-9DF3F51BA10A}">
+      <p15:sldGuideLst xmlns:p15="http://schemas.microsoft.com/office/powerpoint/2012/main"/>
+    </p:ext>
+  </p:extLst>
 </p:presentation>
+</file>
+
+<file path=ppt/revisionInfo.xml><?xml version="1.0" encoding="utf-8"?>
+<p1510:revInfo xmlns:a="http://schemas.openxmlformats.org/drawingml/2006/main" xmlns:r="http://schemas.openxmlformats.org/officeDocument/2006/relationships" xmlns:p1510="http://schemas.microsoft.com/office/powerpoint/2015/10/main">
+  <p1510:revLst>
+    <p1510:client id="{8B082937-3163-4CAE-A6D7-7F665A7DFC21}" v="1" dt="2025-06-14T07:36:33.433"/>
+  </p1510:revLst>
+</p1510:revInfo>
 </file>
 
 <file path=ppt/changesInfos/changesInfo1.xml><?xml version="1.0" encoding="utf-8"?>
 <pc:chgInfo xmlns:a="http://schemas.openxmlformats.org/drawingml/2006/main" xmlns:r="http://schemas.openxmlformats.org/officeDocument/2006/relationships" xmlns:ac="http://schemas.microsoft.com/office/drawing/2013/main/command" xmlns:pc="http://schemas.microsoft.com/office/powerpoint/2013/main/command">
+  <pc:docChgLst>
+    <pc:chgData name="Daniyal Osama" userId="693e788c79516539" providerId="LiveId" clId="{8B082937-3163-4CAE-A6D7-7F665A7DFC21}"/>
+    <pc:docChg chg="undo custSel modSld">
+      <pc:chgData name="Daniyal Osama" userId="693e788c79516539" providerId="LiveId" clId="{8B082937-3163-4CAE-A6D7-7F665A7DFC21}" dt="2025-06-14T07:37:46.216" v="323" actId="20577"/>
+      <pc:docMkLst>
+        <pc:docMk/>
+      </pc:docMkLst>
+      <pc:sldChg chg="modSp mod">
+        <pc:chgData name="Daniyal Osama" userId="693e788c79516539" providerId="LiveId" clId="{8B082937-3163-4CAE-A6D7-7F665A7DFC21}" dt="2025-06-14T07:36:05.591" v="127" actId="20577"/>
+        <pc:sldMkLst>
+          <pc:docMk/>
+          <pc:sldMk cId="83929323" sldId="256"/>
+        </pc:sldMkLst>
+        <pc:spChg chg="mod">
+          <ac:chgData name="Daniyal Osama" userId="693e788c79516539" providerId="LiveId" clId="{8B082937-3163-4CAE-A6D7-7F665A7DFC21}" dt="2025-06-14T07:36:05.591" v="127" actId="20577"/>
+          <ac:spMkLst>
+            <pc:docMk/>
+            <pc:sldMk cId="83929323" sldId="256"/>
+            <ac:spMk id="3" creationId="{FD71CCE2-1D5C-4234-859A-3933E009AC00}"/>
+          </ac:spMkLst>
+        </pc:spChg>
+      </pc:sldChg>
+      <pc:sldChg chg="modSp mod">
+        <pc:chgData name="Daniyal Osama" userId="693e788c79516539" providerId="LiveId" clId="{8B082937-3163-4CAE-A6D7-7F665A7DFC21}" dt="2025-06-14T07:37:46.216" v="323" actId="20577"/>
+        <pc:sldMkLst>
+          <pc:docMk/>
+          <pc:sldMk cId="544716673" sldId="257"/>
+        </pc:sldMkLst>
+        <pc:spChg chg="mod">
+          <ac:chgData name="Daniyal Osama" userId="693e788c79516539" providerId="LiveId" clId="{8B082937-3163-4CAE-A6D7-7F665A7DFC21}" dt="2025-06-14T07:37:46.216" v="323" actId="20577"/>
+          <ac:spMkLst>
+            <pc:docMk/>
+            <pc:sldMk cId="544716673" sldId="257"/>
+            <ac:spMk id="3" creationId="{79D9A9B6-EFEC-4D72-AEC8-27A4EC82253A}"/>
+          </ac:spMkLst>
+        </pc:spChg>
+      </pc:sldChg>
+    </pc:docChg>
+  </pc:docChgLst>
   <pc:docChgLst>
     <pc:chgData name="Sakthikumar, Kasthuri" userId="e4532600-64ce-4806-b26f-49c0d1a0c7f8" providerId="ADAL" clId="{11887570-F428-467A-9139-EAA31342379D}"/>
     <pc:docChg chg="custSel modSld">
@@ -123,14 +175,6 @@
           <pc:docMk/>
           <pc:sldMk cId="83929323" sldId="256"/>
         </pc:sldMkLst>
-        <pc:spChg chg="mod">
-          <ac:chgData name="Sakthikumar, Kasthuri" userId="e4532600-64ce-4806-b26f-49c0d1a0c7f8" providerId="ADAL" clId="{11887570-F428-467A-9139-EAA31342379D}" dt="2024-05-07T20:16:30.160" v="7" actId="20577"/>
-          <ac:spMkLst>
-            <pc:docMk/>
-            <pc:sldMk cId="83929323" sldId="256"/>
-            <ac:spMk id="2" creationId="{EC7368FF-5DF3-4A71-9905-800367483C36}"/>
-          </ac:spMkLst>
-        </pc:spChg>
       </pc:sldChg>
     </pc:docChg>
   </pc:docChgLst>
@@ -305,7 +349,7 @@
           <a:p>
             <a:fld id="{6A5C67DF-8178-401D-886F-9E4BDF0F0BBA}" type="datetimeFigureOut">
               <a:rPr lang="en-US" smtClean="0"/>
-              <a:t>5/7/2024</a:t>
+              <a:t>6/14/2025</a:t>
             </a:fld>
             <a:endParaRPr lang="en-US"/>
           </a:p>
@@ -533,7 +577,7 @@
           <a:p>
             <a:fld id="{6A5C67DF-8178-401D-886F-9E4BDF0F0BBA}" type="datetimeFigureOut">
               <a:rPr lang="en-US" smtClean="0"/>
-              <a:t>5/7/2024</a:t>
+              <a:t>6/14/2025</a:t>
             </a:fld>
             <a:endParaRPr lang="en-US"/>
           </a:p>
@@ -713,7 +757,7 @@
           <a:p>
             <a:fld id="{6A5C67DF-8178-401D-886F-9E4BDF0F0BBA}" type="datetimeFigureOut">
               <a:rPr lang="en-US" smtClean="0"/>
-              <a:t>5/7/2024</a:t>
+              <a:t>6/14/2025</a:t>
             </a:fld>
             <a:endParaRPr lang="en-US"/>
           </a:p>
@@ -883,7 +927,7 @@
           <a:p>
             <a:fld id="{6A5C67DF-8178-401D-886F-9E4BDF0F0BBA}" type="datetimeFigureOut">
               <a:rPr lang="en-US" smtClean="0"/>
-              <a:t>5/7/2024</a:t>
+              <a:t>6/14/2025</a:t>
             </a:fld>
             <a:endParaRPr lang="en-US"/>
           </a:p>
@@ -1137,7 +1181,7 @@
           <a:p>
             <a:fld id="{6A5C67DF-8178-401D-886F-9E4BDF0F0BBA}" type="datetimeFigureOut">
               <a:rPr lang="en-US" smtClean="0"/>
-              <a:t>5/7/2024</a:t>
+              <a:t>6/14/2025</a:t>
             </a:fld>
             <a:endParaRPr lang="en-US"/>
           </a:p>
@@ -1463,7 +1507,7 @@
           <a:p>
             <a:fld id="{6A5C67DF-8178-401D-886F-9E4BDF0F0BBA}" type="datetimeFigureOut">
               <a:rPr lang="en-US" smtClean="0"/>
-              <a:t>5/7/2024</a:t>
+              <a:t>6/14/2025</a:t>
             </a:fld>
             <a:endParaRPr lang="en-US"/>
           </a:p>
@@ -1914,7 +1958,7 @@
           <a:p>
             <a:fld id="{6A5C67DF-8178-401D-886F-9E4BDF0F0BBA}" type="datetimeFigureOut">
               <a:rPr lang="en-US" smtClean="0"/>
-              <a:t>5/7/2024</a:t>
+              <a:t>6/14/2025</a:t>
             </a:fld>
             <a:endParaRPr lang="en-US"/>
           </a:p>
@@ -2032,7 +2076,7 @@
           <a:p>
             <a:fld id="{6A5C67DF-8178-401D-886F-9E4BDF0F0BBA}" type="datetimeFigureOut">
               <a:rPr lang="en-US" smtClean="0"/>
-              <a:t>5/7/2024</a:t>
+              <a:t>6/14/2025</a:t>
             </a:fld>
             <a:endParaRPr lang="en-US"/>
           </a:p>
@@ -2127,7 +2171,7 @@
           <a:p>
             <a:fld id="{6A5C67DF-8178-401D-886F-9E4BDF0F0BBA}" type="datetimeFigureOut">
               <a:rPr lang="en-US" smtClean="0"/>
-              <a:t>5/7/2024</a:t>
+              <a:t>6/14/2025</a:t>
             </a:fld>
             <a:endParaRPr lang="en-US"/>
           </a:p>
@@ -2414,7 +2458,7 @@
           <a:p>
             <a:fld id="{6A5C67DF-8178-401D-886F-9E4BDF0F0BBA}" type="datetimeFigureOut">
               <a:rPr lang="en-US" smtClean="0"/>
-              <a:t>5/7/2024</a:t>
+              <a:t>6/14/2025</a:t>
             </a:fld>
             <a:endParaRPr lang="en-US"/>
           </a:p>
@@ -2736,7 +2780,7 @@
           <a:p>
             <a:fld id="{6A5C67DF-8178-401D-886F-9E4BDF0F0BBA}" type="datetimeFigureOut">
               <a:rPr lang="en-US" smtClean="0"/>
-              <a:t>5/7/2024</a:t>
+              <a:t>6/14/2025</a:t>
             </a:fld>
             <a:endParaRPr lang="en-US"/>
           </a:p>
@@ -2990,7 +3034,7 @@
           <a:p>
             <a:fld id="{6A5C67DF-8178-401D-886F-9E4BDF0F0BBA}" type="datetimeFigureOut">
               <a:rPr lang="en-US" smtClean="0"/>
-              <a:t>5/7/2024</a:t>
+              <a:t>6/14/2025</a:t>
             </a:fld>
             <a:endParaRPr lang="en-US"/>
           </a:p>
@@ -3547,13 +3591,18 @@
           <a:p>
             <a:r>
               <a:rPr lang="en-US" dirty="0"/>
-              <a:t>Project Name:</a:t>
-            </a:r>
+              <a:t>Project Name: Money Management </a:t>
+            </a:r>
+            <a:r>
+              <a:rPr lang="en-US" dirty="0" err="1"/>
+              <a:t>Applicat</a:t>
+            </a:r>
+            <a:endParaRPr lang="en-US" dirty="0"/>
           </a:p>
           <a:p>
             <a:r>
               <a:rPr lang="en-US" dirty="0"/>
-              <a:t>Student Names:</a:t>
+              <a:t>Student Names: Daniyal Osama and Saket</a:t>
             </a:r>
           </a:p>
         </p:txBody>
@@ -3639,25 +3688,30 @@
           <a:p>
             <a:r>
               <a:rPr lang="en-US" dirty="0"/>
-              <a:t>Problem</a:t>
+              <a:t>Problem Statement: How to calculate net worth, income, expenses and budget for an induvial.</a:t>
             </a:r>
           </a:p>
           <a:p>
             <a:r>
               <a:rPr lang="en-US" dirty="0"/>
-              <a:t>Success Criteria</a:t>
+              <a:t>Success Criteria: Working Application which will calculate expenses, income. Net worth and budget.</a:t>
             </a:r>
           </a:p>
           <a:p>
             <a:r>
               <a:rPr lang="en-US" dirty="0"/>
-              <a:t>Design</a:t>
-            </a:r>
+              <a:t>Design: Application created out of OOP programing </a:t>
+            </a:r>
+            <a:r>
+              <a:rPr lang="en-US"/>
+              <a:t>and Java</a:t>
+            </a:r>
+            <a:endParaRPr lang="en-US" dirty="0"/>
           </a:p>
           <a:p>
             <a:r>
               <a:rPr lang="en-US" dirty="0"/>
-              <a:t>Demonstration</a:t>
+              <a:t>Demonstration: Application</a:t>
             </a:r>
           </a:p>
           <a:p>

--- a/Documentation/Year-End-Project-Presentation.pptx
+++ b/Documentation/Year-End-Project-Presentation.pptx
@@ -126,18 +126,18 @@
   <pc:docChgLst>
     <pc:chgData name="Daniyal Osama" userId="693e788c79516539" providerId="LiveId" clId="{8B082937-3163-4CAE-A6D7-7F665A7DFC21}"/>
     <pc:docChg chg="undo custSel modSld">
-      <pc:chgData name="Daniyal Osama" userId="693e788c79516539" providerId="LiveId" clId="{8B082937-3163-4CAE-A6D7-7F665A7DFC21}" dt="2025-06-14T07:37:46.216" v="323" actId="20577"/>
+      <pc:chgData name="Daniyal Osama" userId="693e788c79516539" providerId="LiveId" clId="{8B082937-3163-4CAE-A6D7-7F665A7DFC21}" dt="2025-06-14T07:40:45.720" v="326" actId="20577"/>
       <pc:docMkLst>
         <pc:docMk/>
       </pc:docMkLst>
       <pc:sldChg chg="modSp mod">
-        <pc:chgData name="Daniyal Osama" userId="693e788c79516539" providerId="LiveId" clId="{8B082937-3163-4CAE-A6D7-7F665A7DFC21}" dt="2025-06-14T07:36:05.591" v="127" actId="20577"/>
+        <pc:chgData name="Daniyal Osama" userId="693e788c79516539" providerId="LiveId" clId="{8B082937-3163-4CAE-A6D7-7F665A7DFC21}" dt="2025-06-14T07:40:45.720" v="326" actId="20577"/>
         <pc:sldMkLst>
           <pc:docMk/>
           <pc:sldMk cId="83929323" sldId="256"/>
         </pc:sldMkLst>
         <pc:spChg chg="mod">
-          <ac:chgData name="Daniyal Osama" userId="693e788c79516539" providerId="LiveId" clId="{8B082937-3163-4CAE-A6D7-7F665A7DFC21}" dt="2025-06-14T07:36:05.591" v="127" actId="20577"/>
+          <ac:chgData name="Daniyal Osama" userId="693e788c79516539" providerId="LiveId" clId="{8B082937-3163-4CAE-A6D7-7F665A7DFC21}" dt="2025-06-14T07:40:45.720" v="326" actId="20577"/>
           <ac:spMkLst>
             <pc:docMk/>
             <pc:sldMk cId="83929323" sldId="256"/>
@@ -3591,11 +3591,11 @@
           <a:p>
             <a:r>
               <a:rPr lang="en-US" dirty="0"/>
-              <a:t>Project Name: Money Management </a:t>
-            </a:r>
-            <a:r>
-              <a:rPr lang="en-US" dirty="0" err="1"/>
-              <a:t>Applicat</a:t>
+              <a:t>Project Name: Money </a:t>
+            </a:r>
+            <a:r>
+              <a:rPr lang="en-US"/>
+              <a:t>Management Application</a:t>
             </a:r>
             <a:endParaRPr lang="en-US" dirty="0"/>
           </a:p>
@@ -3700,13 +3700,8 @@
           <a:p>
             <a:r>
               <a:rPr lang="en-US" dirty="0"/>
-              <a:t>Design: Application created out of OOP programing </a:t>
-            </a:r>
-            <a:r>
-              <a:rPr lang="en-US"/>
-              <a:t>and Java</a:t>
-            </a:r>
-            <a:endParaRPr lang="en-US" dirty="0"/>
+              <a:t>Design: Application created out of OOP programing and Java</a:t>
+            </a:r>
           </a:p>
           <a:p>
             <a:r>

--- a/Documentation/Year-End-Project-Presentation.pptx
+++ b/Documentation/Year-End-Project-Presentation.pptx
@@ -7,6 +7,11 @@
   <p:sldIdLst>
     <p:sldId id="256" r:id="rId2"/>
     <p:sldId id="257" r:id="rId3"/>
+    <p:sldId id="258" r:id="rId4"/>
+    <p:sldId id="259" r:id="rId5"/>
+    <p:sldId id="260" r:id="rId6"/>
+    <p:sldId id="261" r:id="rId7"/>
+    <p:sldId id="262" r:id="rId8"/>
   </p:sldIdLst>
   <p:sldSz cx="12192000" cy="6858000"/>
   <p:notesSz cx="6858000" cy="9144000"/>
@@ -125,8 +130,8 @@
 <pc:chgInfo xmlns:a="http://schemas.openxmlformats.org/drawingml/2006/main" xmlns:r="http://schemas.openxmlformats.org/officeDocument/2006/relationships" xmlns:ac="http://schemas.microsoft.com/office/drawing/2013/main/command" xmlns:pc="http://schemas.microsoft.com/office/powerpoint/2013/main/command">
   <pc:docChgLst>
     <pc:chgData name="Daniyal Osama" userId="693e788c79516539" providerId="LiveId" clId="{8B082937-3163-4CAE-A6D7-7F665A7DFC21}"/>
-    <pc:docChg chg="undo custSel modSld">
-      <pc:chgData name="Daniyal Osama" userId="693e788c79516539" providerId="LiveId" clId="{8B082937-3163-4CAE-A6D7-7F665A7DFC21}" dt="2025-06-14T07:40:45.720" v="326" actId="20577"/>
+    <pc:docChg chg="undo custSel addSld modSld">
+      <pc:chgData name="Daniyal Osama" userId="693e788c79516539" providerId="LiveId" clId="{8B082937-3163-4CAE-A6D7-7F665A7DFC21}" dt="2025-06-15T06:33:15.886" v="2308" actId="1076"/>
       <pc:docMkLst>
         <pc:docMk/>
       </pc:docMkLst>
@@ -159,6 +164,257 @@
             <ac:spMk id="3" creationId="{79D9A9B6-EFEC-4D72-AEC8-27A4EC82253A}"/>
           </ac:spMkLst>
         </pc:spChg>
+      </pc:sldChg>
+      <pc:sldChg chg="addSp modSp add mod">
+        <pc:chgData name="Daniyal Osama" userId="693e788c79516539" providerId="LiveId" clId="{8B082937-3163-4CAE-A6D7-7F665A7DFC21}" dt="2025-06-15T05:42:12.938" v="737" actId="20577"/>
+        <pc:sldMkLst>
+          <pc:docMk/>
+          <pc:sldMk cId="1283951911" sldId="258"/>
+        </pc:sldMkLst>
+        <pc:spChg chg="mod">
+          <ac:chgData name="Daniyal Osama" userId="693e788c79516539" providerId="LiveId" clId="{8B082937-3163-4CAE-A6D7-7F665A7DFC21}" dt="2025-06-15T05:42:12.938" v="737" actId="20577"/>
+          <ac:spMkLst>
+            <pc:docMk/>
+            <pc:sldMk cId="1283951911" sldId="258"/>
+            <ac:spMk id="2" creationId="{CA698B7B-59D0-3F6D-8AF9-EB689A442494}"/>
+          </ac:spMkLst>
+        </pc:spChg>
+        <pc:spChg chg="mod">
+          <ac:chgData name="Daniyal Osama" userId="693e788c79516539" providerId="LiveId" clId="{8B082937-3163-4CAE-A6D7-7F665A7DFC21}" dt="2025-06-15T05:41:35.518" v="685" actId="20577"/>
+          <ac:spMkLst>
+            <pc:docMk/>
+            <pc:sldMk cId="1283951911" sldId="258"/>
+            <ac:spMk id="3" creationId="{0B696F96-0551-C579-43E4-A3C8DEF43BC8}"/>
+          </ac:spMkLst>
+        </pc:spChg>
+        <pc:picChg chg="add mod">
+          <ac:chgData name="Daniyal Osama" userId="693e788c79516539" providerId="LiveId" clId="{8B082937-3163-4CAE-A6D7-7F665A7DFC21}" dt="2025-06-15T05:41:14.740" v="620" actId="1076"/>
+          <ac:picMkLst>
+            <pc:docMk/>
+            <pc:sldMk cId="1283951911" sldId="258"/>
+            <ac:picMk id="5" creationId="{FA2DE118-1DEC-BD97-FB3F-FFFC7D4E20A3}"/>
+          </ac:picMkLst>
+        </pc:picChg>
+        <pc:picChg chg="add mod">
+          <ac:chgData name="Daniyal Osama" userId="693e788c79516539" providerId="LiveId" clId="{8B082937-3163-4CAE-A6D7-7F665A7DFC21}" dt="2025-06-15T05:41:47.749" v="693" actId="1076"/>
+          <ac:picMkLst>
+            <pc:docMk/>
+            <pc:sldMk cId="1283951911" sldId="258"/>
+            <ac:picMk id="7" creationId="{7870C840-9AF0-A55D-1A46-9DABA023BC28}"/>
+          </ac:picMkLst>
+        </pc:picChg>
+      </pc:sldChg>
+      <pc:sldChg chg="addSp modSp add mod">
+        <pc:chgData name="Daniyal Osama" userId="693e788c79516539" providerId="LiveId" clId="{8B082937-3163-4CAE-A6D7-7F665A7DFC21}" dt="2025-06-15T06:22:13.570" v="1242" actId="20577"/>
+        <pc:sldMkLst>
+          <pc:docMk/>
+          <pc:sldMk cId="867457864" sldId="259"/>
+        </pc:sldMkLst>
+        <pc:spChg chg="mod">
+          <ac:chgData name="Daniyal Osama" userId="693e788c79516539" providerId="LiveId" clId="{8B082937-3163-4CAE-A6D7-7F665A7DFC21}" dt="2025-06-15T05:42:30.668" v="780" actId="20577"/>
+          <ac:spMkLst>
+            <pc:docMk/>
+            <pc:sldMk cId="867457864" sldId="259"/>
+            <ac:spMk id="2" creationId="{0667A52E-128C-CCB5-1928-69E9ECA46759}"/>
+          </ac:spMkLst>
+        </pc:spChg>
+        <pc:spChg chg="mod">
+          <ac:chgData name="Daniyal Osama" userId="693e788c79516539" providerId="LiveId" clId="{8B082937-3163-4CAE-A6D7-7F665A7DFC21}" dt="2025-06-15T06:22:13.570" v="1242" actId="20577"/>
+          <ac:spMkLst>
+            <pc:docMk/>
+            <pc:sldMk cId="867457864" sldId="259"/>
+            <ac:spMk id="3" creationId="{FF03A3AF-2387-868F-3233-14663EE580B5}"/>
+          </ac:spMkLst>
+        </pc:spChg>
+        <pc:picChg chg="add mod">
+          <ac:chgData name="Daniyal Osama" userId="693e788c79516539" providerId="LiveId" clId="{8B082937-3163-4CAE-A6D7-7F665A7DFC21}" dt="2025-06-15T06:21:18.399" v="1166" actId="1076"/>
+          <ac:picMkLst>
+            <pc:docMk/>
+            <pc:sldMk cId="867457864" sldId="259"/>
+            <ac:picMk id="5" creationId="{F5663EA5-E592-D06B-77B7-FD944B3BE448}"/>
+          </ac:picMkLst>
+        </pc:picChg>
+        <pc:picChg chg="add mod">
+          <ac:chgData name="Daniyal Osama" userId="693e788c79516539" providerId="LiveId" clId="{8B082937-3163-4CAE-A6D7-7F665A7DFC21}" dt="2025-06-15T06:21:54.037" v="1168" actId="1076"/>
+          <ac:picMkLst>
+            <pc:docMk/>
+            <pc:sldMk cId="867457864" sldId="259"/>
+            <ac:picMk id="7" creationId="{77ECBD63-100A-8907-93F4-CEAE8DDCFA53}"/>
+          </ac:picMkLst>
+        </pc:picChg>
+      </pc:sldChg>
+      <pc:sldChg chg="addSp delSp modSp add mod">
+        <pc:chgData name="Daniyal Osama" userId="693e788c79516539" providerId="LiveId" clId="{8B082937-3163-4CAE-A6D7-7F665A7DFC21}" dt="2025-06-15T06:26:31.913" v="1758" actId="14100"/>
+        <pc:sldMkLst>
+          <pc:docMk/>
+          <pc:sldMk cId="436150941" sldId="260"/>
+        </pc:sldMkLst>
+        <pc:spChg chg="mod">
+          <ac:chgData name="Daniyal Osama" userId="693e788c79516539" providerId="LiveId" clId="{8B082937-3163-4CAE-A6D7-7F665A7DFC21}" dt="2025-06-15T06:25:17.408" v="1708" actId="20577"/>
+          <ac:spMkLst>
+            <pc:docMk/>
+            <pc:sldMk cId="436150941" sldId="260"/>
+            <ac:spMk id="3" creationId="{51D95B24-8BD7-831C-562F-8CA77D793DE5}"/>
+          </ac:spMkLst>
+        </pc:spChg>
+        <pc:picChg chg="del">
+          <ac:chgData name="Daniyal Osama" userId="693e788c79516539" providerId="LiveId" clId="{8B082937-3163-4CAE-A6D7-7F665A7DFC21}" dt="2025-06-15T06:22:19.799" v="1245" actId="478"/>
+          <ac:picMkLst>
+            <pc:docMk/>
+            <pc:sldMk cId="436150941" sldId="260"/>
+            <ac:picMk id="5" creationId="{2B4CB62F-69EF-EB85-B2C9-0CC2C92AB771}"/>
+          </ac:picMkLst>
+        </pc:picChg>
+        <pc:picChg chg="add del">
+          <ac:chgData name="Daniyal Osama" userId="693e788c79516539" providerId="LiveId" clId="{8B082937-3163-4CAE-A6D7-7F665A7DFC21}" dt="2025-06-15T06:25:03.689" v="1707" actId="478"/>
+          <ac:picMkLst>
+            <pc:docMk/>
+            <pc:sldMk cId="436150941" sldId="260"/>
+            <ac:picMk id="6" creationId="{8FA84355-5700-B1F3-E152-1FB5261A5877}"/>
+          </ac:picMkLst>
+        </pc:picChg>
+        <pc:picChg chg="del">
+          <ac:chgData name="Daniyal Osama" userId="693e788c79516539" providerId="LiveId" clId="{8B082937-3163-4CAE-A6D7-7F665A7DFC21}" dt="2025-06-15T06:22:19.484" v="1244" actId="478"/>
+          <ac:picMkLst>
+            <pc:docMk/>
+            <pc:sldMk cId="436150941" sldId="260"/>
+            <ac:picMk id="7" creationId="{58FDD23C-6F85-EC30-9E6D-249EF27BAA7C}"/>
+          </ac:picMkLst>
+        </pc:picChg>
+        <pc:picChg chg="add mod">
+          <ac:chgData name="Daniyal Osama" userId="693e788c79516539" providerId="LiveId" clId="{8B082937-3163-4CAE-A6D7-7F665A7DFC21}" dt="2025-06-15T06:26:31.913" v="1758" actId="14100"/>
+          <ac:picMkLst>
+            <pc:docMk/>
+            <pc:sldMk cId="436150941" sldId="260"/>
+            <ac:picMk id="9" creationId="{760D9C62-EAC7-958F-FF24-31143AAD572E}"/>
+          </ac:picMkLst>
+        </pc:picChg>
+        <pc:picChg chg="add mod">
+          <ac:chgData name="Daniyal Osama" userId="693e788c79516539" providerId="LiveId" clId="{8B082937-3163-4CAE-A6D7-7F665A7DFC21}" dt="2025-06-15T06:25:44.419" v="1715" actId="1076"/>
+          <ac:picMkLst>
+            <pc:docMk/>
+            <pc:sldMk cId="436150941" sldId="260"/>
+            <ac:picMk id="11" creationId="{B6979B21-30DD-0121-F4AD-567AF2A29A43}"/>
+          </ac:picMkLst>
+        </pc:picChg>
+      </pc:sldChg>
+      <pc:sldChg chg="addSp delSp modSp add mod">
+        <pc:chgData name="Daniyal Osama" userId="693e788c79516539" providerId="LiveId" clId="{8B082937-3163-4CAE-A6D7-7F665A7DFC21}" dt="2025-06-15T06:30:10.414" v="2012" actId="1076"/>
+        <pc:sldMkLst>
+          <pc:docMk/>
+          <pc:sldMk cId="2724187736" sldId="261"/>
+        </pc:sldMkLst>
+        <pc:spChg chg="mod">
+          <ac:chgData name="Daniyal Osama" userId="693e788c79516539" providerId="LiveId" clId="{8B082937-3163-4CAE-A6D7-7F665A7DFC21}" dt="2025-06-15T06:26:17.149" v="1743" actId="20577"/>
+          <ac:spMkLst>
+            <pc:docMk/>
+            <pc:sldMk cId="2724187736" sldId="261"/>
+            <ac:spMk id="2" creationId="{47BFE24D-9553-7471-F27A-C4497A0D1803}"/>
+          </ac:spMkLst>
+        </pc:spChg>
+        <pc:spChg chg="mod">
+          <ac:chgData name="Daniyal Osama" userId="693e788c79516539" providerId="LiveId" clId="{8B082937-3163-4CAE-A6D7-7F665A7DFC21}" dt="2025-06-15T06:29:07.861" v="2001" actId="20577"/>
+          <ac:spMkLst>
+            <pc:docMk/>
+            <pc:sldMk cId="2724187736" sldId="261"/>
+            <ac:spMk id="3" creationId="{98619DE0-1A12-EC57-2BA8-D4E9639087D0}"/>
+          </ac:spMkLst>
+        </pc:spChg>
+        <pc:picChg chg="add mod">
+          <ac:chgData name="Daniyal Osama" userId="693e788c79516539" providerId="LiveId" clId="{8B082937-3163-4CAE-A6D7-7F665A7DFC21}" dt="2025-06-15T06:29:17.622" v="2004" actId="1076"/>
+          <ac:picMkLst>
+            <pc:docMk/>
+            <pc:sldMk cId="2724187736" sldId="261"/>
+            <ac:picMk id="5" creationId="{355BDBFD-8884-8FB8-B121-028489CA0377}"/>
+          </ac:picMkLst>
+        </pc:picChg>
+        <pc:picChg chg="add mod">
+          <ac:chgData name="Daniyal Osama" userId="693e788c79516539" providerId="LiveId" clId="{8B082937-3163-4CAE-A6D7-7F665A7DFC21}" dt="2025-06-15T06:29:22.045" v="2005" actId="1076"/>
+          <ac:picMkLst>
+            <pc:docMk/>
+            <pc:sldMk cId="2724187736" sldId="261"/>
+            <ac:picMk id="7" creationId="{C98F4B40-F13A-F090-9645-C1CA1533B230}"/>
+          </ac:picMkLst>
+        </pc:picChg>
+        <pc:picChg chg="del mod">
+          <ac:chgData name="Daniyal Osama" userId="693e788c79516539" providerId="LiveId" clId="{8B082937-3163-4CAE-A6D7-7F665A7DFC21}" dt="2025-06-15T06:26:34.128" v="1759" actId="478"/>
+          <ac:picMkLst>
+            <pc:docMk/>
+            <pc:sldMk cId="2724187736" sldId="261"/>
+            <ac:picMk id="9" creationId="{2D01B5EC-A9CD-81DD-BB08-A20AAACCAF33}"/>
+          </ac:picMkLst>
+        </pc:picChg>
+        <pc:picChg chg="add mod">
+          <ac:chgData name="Daniyal Osama" userId="693e788c79516539" providerId="LiveId" clId="{8B082937-3163-4CAE-A6D7-7F665A7DFC21}" dt="2025-06-15T06:30:10.414" v="2012" actId="1076"/>
+          <ac:picMkLst>
+            <pc:docMk/>
+            <pc:sldMk cId="2724187736" sldId="261"/>
+            <ac:picMk id="10" creationId="{6E1375E8-6324-11A6-54B0-58AF8D449A45}"/>
+          </ac:picMkLst>
+        </pc:picChg>
+        <pc:picChg chg="del">
+          <ac:chgData name="Daniyal Osama" userId="693e788c79516539" providerId="LiveId" clId="{8B082937-3163-4CAE-A6D7-7F665A7DFC21}" dt="2025-06-15T06:26:35.410" v="1760" actId="478"/>
+          <ac:picMkLst>
+            <pc:docMk/>
+            <pc:sldMk cId="2724187736" sldId="261"/>
+            <ac:picMk id="11" creationId="{FABF0E87-BE13-77D1-922A-09D41E6D69DA}"/>
+          </ac:picMkLst>
+        </pc:picChg>
+      </pc:sldChg>
+      <pc:sldChg chg="addSp delSp modSp add mod">
+        <pc:chgData name="Daniyal Osama" userId="693e788c79516539" providerId="LiveId" clId="{8B082937-3163-4CAE-A6D7-7F665A7DFC21}" dt="2025-06-15T06:33:15.886" v="2308" actId="1076"/>
+        <pc:sldMkLst>
+          <pc:docMk/>
+          <pc:sldMk cId="2018505834" sldId="262"/>
+        </pc:sldMkLst>
+        <pc:spChg chg="mod">
+          <ac:chgData name="Daniyal Osama" userId="693e788c79516539" providerId="LiveId" clId="{8B082937-3163-4CAE-A6D7-7F665A7DFC21}" dt="2025-06-15T06:32:02.078" v="2299" actId="20577"/>
+          <ac:spMkLst>
+            <pc:docMk/>
+            <pc:sldMk cId="2018505834" sldId="262"/>
+            <ac:spMk id="3" creationId="{77E15524-84E7-8DCF-D80C-65BFCDA3BFFC}"/>
+          </ac:spMkLst>
+        </pc:spChg>
+        <pc:picChg chg="del">
+          <ac:chgData name="Daniyal Osama" userId="693e788c79516539" providerId="LiveId" clId="{8B082937-3163-4CAE-A6D7-7F665A7DFC21}" dt="2025-06-15T06:30:28.697" v="2014" actId="478"/>
+          <ac:picMkLst>
+            <pc:docMk/>
+            <pc:sldMk cId="2018505834" sldId="262"/>
+            <ac:picMk id="5" creationId="{9F222B17-1C4D-1A20-EF0D-9F455AA179C7}"/>
+          </ac:picMkLst>
+        </pc:picChg>
+        <pc:picChg chg="add mod">
+          <ac:chgData name="Daniyal Osama" userId="693e788c79516539" providerId="LiveId" clId="{8B082937-3163-4CAE-A6D7-7F665A7DFC21}" dt="2025-06-15T06:33:15.886" v="2308" actId="1076"/>
+          <ac:picMkLst>
+            <pc:docMk/>
+            <pc:sldMk cId="2018505834" sldId="262"/>
+            <ac:picMk id="6" creationId="{07762180-7AB5-FEAA-2953-C4D4495AE993}"/>
+          </ac:picMkLst>
+        </pc:picChg>
+        <pc:picChg chg="del">
+          <ac:chgData name="Daniyal Osama" userId="693e788c79516539" providerId="LiveId" clId="{8B082937-3163-4CAE-A6D7-7F665A7DFC21}" dt="2025-06-15T06:30:29.504" v="2016" actId="478"/>
+          <ac:picMkLst>
+            <pc:docMk/>
+            <pc:sldMk cId="2018505834" sldId="262"/>
+            <ac:picMk id="7" creationId="{4425610A-56D0-A3B6-5ECF-0A6CD9C86C43}"/>
+          </ac:picMkLst>
+        </pc:picChg>
+        <pc:picChg chg="add mod">
+          <ac:chgData name="Daniyal Osama" userId="693e788c79516539" providerId="LiveId" clId="{8B082937-3163-4CAE-A6D7-7F665A7DFC21}" dt="2025-06-15T06:33:13.647" v="2307" actId="1076"/>
+          <ac:picMkLst>
+            <pc:docMk/>
+            <pc:sldMk cId="2018505834" sldId="262"/>
+            <ac:picMk id="9" creationId="{590EE013-9084-471D-A562-AF7CBCC1399F}"/>
+          </ac:picMkLst>
+        </pc:picChg>
+        <pc:picChg chg="del">
+          <ac:chgData name="Daniyal Osama" userId="693e788c79516539" providerId="LiveId" clId="{8B082937-3163-4CAE-A6D7-7F665A7DFC21}" dt="2025-06-15T06:30:29.118" v="2015" actId="478"/>
+          <ac:picMkLst>
+            <pc:docMk/>
+            <pc:sldMk cId="2018505834" sldId="262"/>
+            <ac:picMk id="10" creationId="{DA111D99-6BB8-3592-FF60-1BEE1B147234}"/>
+          </ac:picMkLst>
+        </pc:picChg>
       </pc:sldChg>
     </pc:docChg>
   </pc:docChgLst>
@@ -3552,13 +3808,8 @@
           <a:p>
             <a:r>
               <a:rPr lang="en-US" dirty="0"/>
-              <a:t>IB </a:t>
-            </a:r>
-            <a:r>
-              <a:rPr lang="en-US"/>
-              <a:t>Computer Science SL/HL</a:t>
-            </a:r>
-            <a:endParaRPr lang="en-US" dirty="0"/>
+              <a:t>IB Computer Science SL/HL</a:t>
+            </a:r>
           </a:p>
         </p:txBody>
       </p:sp>
@@ -3591,13 +3842,8 @@
           <a:p>
             <a:r>
               <a:rPr lang="en-US" dirty="0"/>
-              <a:t>Project Name: Money </a:t>
-            </a:r>
-            <a:r>
-              <a:rPr lang="en-US"/>
-              <a:t>Management Application</a:t>
-            </a:r>
-            <a:endParaRPr lang="en-US" dirty="0"/>
+              <a:t>Project Name: Money Management Application</a:t>
+            </a:r>
           </a:p>
           <a:p>
             <a:r>
@@ -3718,6 +3964,841 @@
     <p:extLst>
       <p:ext uri="{BB962C8B-B14F-4D97-AF65-F5344CB8AC3E}">
         <p14:creationId xmlns:p14="http://schemas.microsoft.com/office/powerpoint/2010/main" val="544716673"/>
+      </p:ext>
+    </p:extLst>
+  </p:cSld>
+  <p:clrMapOvr>
+    <a:masterClrMapping/>
+  </p:clrMapOvr>
+</p:sld>
+</file>
+
+<file path=ppt/slides/slide3.xml><?xml version="1.0" encoding="utf-8"?>
+<p:sld xmlns:a="http://schemas.openxmlformats.org/drawingml/2006/main" xmlns:r="http://schemas.openxmlformats.org/officeDocument/2006/relationships" xmlns:p="http://schemas.openxmlformats.org/presentationml/2006/main">
+  <p:cSld>
+    <p:spTree>
+      <p:nvGrpSpPr>
+        <p:cNvPr id="1" name="">
+          <a:extLst>
+            <a:ext uri="{FF2B5EF4-FFF2-40B4-BE49-F238E27FC236}">
+              <a16:creationId xmlns:a16="http://schemas.microsoft.com/office/drawing/2014/main" id="{D42F3468-B90C-4208-CFDB-E2EAEF03D72D}"/>
+            </a:ext>
+          </a:extLst>
+        </p:cNvPr>
+        <p:cNvGrpSpPr/>
+        <p:nvPr/>
+      </p:nvGrpSpPr>
+      <p:grpSpPr>
+        <a:xfrm>
+          <a:off x="0" y="0"/>
+          <a:ext cx="0" cy="0"/>
+          <a:chOff x="0" y="0"/>
+          <a:chExt cx="0" cy="0"/>
+        </a:xfrm>
+      </p:grpSpPr>
+      <p:sp>
+        <p:nvSpPr>
+          <p:cNvPr id="2" name="Title 1">
+            <a:extLst>
+              <a:ext uri="{FF2B5EF4-FFF2-40B4-BE49-F238E27FC236}">
+                <a16:creationId xmlns:a16="http://schemas.microsoft.com/office/drawing/2014/main" id="{CA698B7B-59D0-3F6D-8AF9-EB689A442494}"/>
+              </a:ext>
+            </a:extLst>
+          </p:cNvPr>
+          <p:cNvSpPr>
+            <a:spLocks noGrp="1"/>
+          </p:cNvSpPr>
+          <p:nvPr>
+            <p:ph type="title"/>
+          </p:nvPr>
+        </p:nvSpPr>
+        <p:spPr/>
+        <p:txBody>
+          <a:bodyPr/>
+          <a:lstStyle/>
+          <a:p>
+            <a:r>
+              <a:rPr lang="en-US" dirty="0"/>
+              <a:t>Project GUI (Home and Profile Page)</a:t>
+            </a:r>
+          </a:p>
+        </p:txBody>
+      </p:sp>
+      <p:sp>
+        <p:nvSpPr>
+          <p:cNvPr id="3" name="Content Placeholder 2">
+            <a:extLst>
+              <a:ext uri="{FF2B5EF4-FFF2-40B4-BE49-F238E27FC236}">
+                <a16:creationId xmlns:a16="http://schemas.microsoft.com/office/drawing/2014/main" id="{0B696F96-0551-C579-43E4-A3C8DEF43BC8}"/>
+              </a:ext>
+            </a:extLst>
+          </p:cNvPr>
+          <p:cNvSpPr>
+            <a:spLocks noGrp="1"/>
+          </p:cNvSpPr>
+          <p:nvPr>
+            <p:ph idx="1"/>
+          </p:nvPr>
+        </p:nvSpPr>
+        <p:spPr/>
+        <p:txBody>
+          <a:bodyPr/>
+          <a:lstStyle/>
+          <a:p>
+            <a:pPr marL="0" indent="0">
+              <a:buNone/>
+            </a:pPr>
+            <a:r>
+              <a:rPr lang="en-US" dirty="0"/>
+              <a:t>When the application is open, new users are directed to a create an account page. The user will then proceed to click on the “Add User Profile Button directing them to a page in which they fill out their info.</a:t>
+            </a:r>
+          </a:p>
+        </p:txBody>
+      </p:sp>
+      <p:pic>
+        <p:nvPicPr>
+          <p:cNvPr id="5" name="Picture 4">
+            <a:extLst>
+              <a:ext uri="{FF2B5EF4-FFF2-40B4-BE49-F238E27FC236}">
+                <a16:creationId xmlns:a16="http://schemas.microsoft.com/office/drawing/2014/main" id="{FA2DE118-1DEC-BD97-FB3F-FFFC7D4E20A3}"/>
+              </a:ext>
+            </a:extLst>
+          </p:cNvPr>
+          <p:cNvPicPr>
+            <a:picLocks noChangeAspect="1"/>
+          </p:cNvPicPr>
+          <p:nvPr/>
+        </p:nvPicPr>
+        <p:blipFill>
+          <a:blip r:embed="rId2"/>
+          <a:stretch>
+            <a:fillRect/>
+          </a:stretch>
+        </p:blipFill>
+        <p:spPr>
+          <a:xfrm>
+            <a:off x="1329023" y="2791215"/>
+            <a:ext cx="3136143" cy="2426505"/>
+          </a:xfrm>
+          <a:prstGeom prst="rect">
+            <a:avLst/>
+          </a:prstGeom>
+        </p:spPr>
+      </p:pic>
+      <p:pic>
+        <p:nvPicPr>
+          <p:cNvPr id="7" name="Picture 6">
+            <a:extLst>
+              <a:ext uri="{FF2B5EF4-FFF2-40B4-BE49-F238E27FC236}">
+                <a16:creationId xmlns:a16="http://schemas.microsoft.com/office/drawing/2014/main" id="{7870C840-9AF0-A55D-1A46-9DABA023BC28}"/>
+              </a:ext>
+            </a:extLst>
+          </p:cNvPr>
+          <p:cNvPicPr>
+            <a:picLocks noChangeAspect="1"/>
+          </p:cNvPicPr>
+          <p:nvPr/>
+        </p:nvPicPr>
+        <p:blipFill>
+          <a:blip r:embed="rId3"/>
+          <a:stretch>
+            <a:fillRect/>
+          </a:stretch>
+        </p:blipFill>
+        <p:spPr>
+          <a:xfrm>
+            <a:off x="4864011" y="2777596"/>
+            <a:ext cx="3858648" cy="2440124"/>
+          </a:xfrm>
+          <a:prstGeom prst="rect">
+            <a:avLst/>
+          </a:prstGeom>
+        </p:spPr>
+      </p:pic>
+    </p:spTree>
+    <p:extLst>
+      <p:ext uri="{BB962C8B-B14F-4D97-AF65-F5344CB8AC3E}">
+        <p14:creationId xmlns:p14="http://schemas.microsoft.com/office/powerpoint/2010/main" val="1283951911"/>
+      </p:ext>
+    </p:extLst>
+  </p:cSld>
+  <p:clrMapOvr>
+    <a:masterClrMapping/>
+  </p:clrMapOvr>
+</p:sld>
+</file>
+
+<file path=ppt/slides/slide4.xml><?xml version="1.0" encoding="utf-8"?>
+<p:sld xmlns:a="http://schemas.openxmlformats.org/drawingml/2006/main" xmlns:r="http://schemas.openxmlformats.org/officeDocument/2006/relationships" xmlns:p="http://schemas.openxmlformats.org/presentationml/2006/main">
+  <p:cSld>
+    <p:spTree>
+      <p:nvGrpSpPr>
+        <p:cNvPr id="1" name="">
+          <a:extLst>
+            <a:ext uri="{FF2B5EF4-FFF2-40B4-BE49-F238E27FC236}">
+              <a16:creationId xmlns:a16="http://schemas.microsoft.com/office/drawing/2014/main" id="{B85B8BB3-E734-E7EB-6AB8-D084E6466617}"/>
+            </a:ext>
+          </a:extLst>
+        </p:cNvPr>
+        <p:cNvGrpSpPr/>
+        <p:nvPr/>
+      </p:nvGrpSpPr>
+      <p:grpSpPr>
+        <a:xfrm>
+          <a:off x="0" y="0"/>
+          <a:ext cx="0" cy="0"/>
+          <a:chOff x="0" y="0"/>
+          <a:chExt cx="0" cy="0"/>
+        </a:xfrm>
+      </p:grpSpPr>
+      <p:sp>
+        <p:nvSpPr>
+          <p:cNvPr id="2" name="Title 1">
+            <a:extLst>
+              <a:ext uri="{FF2B5EF4-FFF2-40B4-BE49-F238E27FC236}">
+                <a16:creationId xmlns:a16="http://schemas.microsoft.com/office/drawing/2014/main" id="{0667A52E-128C-CCB5-1928-69E9ECA46759}"/>
+              </a:ext>
+            </a:extLst>
+          </p:cNvPr>
+          <p:cNvSpPr>
+            <a:spLocks noGrp="1"/>
+          </p:cNvSpPr>
+          <p:nvPr>
+            <p:ph type="title"/>
+          </p:nvPr>
+        </p:nvSpPr>
+        <p:spPr/>
+        <p:txBody>
+          <a:bodyPr/>
+          <a:lstStyle/>
+          <a:p>
+            <a:r>
+              <a:rPr lang="en-US" dirty="0"/>
+              <a:t>Project GUI (Home and Profile Page)</a:t>
+            </a:r>
+          </a:p>
+        </p:txBody>
+      </p:sp>
+      <p:sp>
+        <p:nvSpPr>
+          <p:cNvPr id="3" name="Content Placeholder 2">
+            <a:extLst>
+              <a:ext uri="{FF2B5EF4-FFF2-40B4-BE49-F238E27FC236}">
+                <a16:creationId xmlns:a16="http://schemas.microsoft.com/office/drawing/2014/main" id="{FF03A3AF-2387-868F-3233-14663EE580B5}"/>
+              </a:ext>
+            </a:extLst>
+          </p:cNvPr>
+          <p:cNvSpPr>
+            <a:spLocks noGrp="1"/>
+          </p:cNvSpPr>
+          <p:nvPr>
+            <p:ph idx="1"/>
+          </p:nvPr>
+        </p:nvSpPr>
+        <p:spPr/>
+        <p:txBody>
+          <a:bodyPr/>
+          <a:lstStyle/>
+          <a:p>
+            <a:pPr marL="0" indent="0">
+              <a:buNone/>
+            </a:pPr>
+            <a:r>
+              <a:rPr lang="en-US" dirty="0"/>
+              <a:t>After entering their info, a pop up will appear stating that their info is saved, closing it will redirect the user back to the home page. However, if invalid info is placed in, then a pop up stating an error will appear. </a:t>
+            </a:r>
+          </a:p>
+          <a:p>
+            <a:pPr marL="0" indent="0">
+              <a:buNone/>
+            </a:pPr>
+            <a:endParaRPr lang="en-US" dirty="0"/>
+          </a:p>
+        </p:txBody>
+      </p:sp>
+      <p:pic>
+        <p:nvPicPr>
+          <p:cNvPr id="5" name="Picture 4">
+            <a:extLst>
+              <a:ext uri="{FF2B5EF4-FFF2-40B4-BE49-F238E27FC236}">
+                <a16:creationId xmlns:a16="http://schemas.microsoft.com/office/drawing/2014/main" id="{F5663EA5-E592-D06B-77B7-FD944B3BE448}"/>
+              </a:ext>
+            </a:extLst>
+          </p:cNvPr>
+          <p:cNvPicPr>
+            <a:picLocks noChangeAspect="1"/>
+          </p:cNvPicPr>
+          <p:nvPr/>
+        </p:nvPicPr>
+        <p:blipFill>
+          <a:blip r:embed="rId2"/>
+          <a:stretch>
+            <a:fillRect/>
+          </a:stretch>
+        </p:blipFill>
+        <p:spPr>
+          <a:xfrm>
+            <a:off x="1312838" y="2743471"/>
+            <a:ext cx="3886742" cy="1886213"/>
+          </a:xfrm>
+          <a:prstGeom prst="rect">
+            <a:avLst/>
+          </a:prstGeom>
+        </p:spPr>
+      </p:pic>
+      <p:pic>
+        <p:nvPicPr>
+          <p:cNvPr id="7" name="Picture 6">
+            <a:extLst>
+              <a:ext uri="{FF2B5EF4-FFF2-40B4-BE49-F238E27FC236}">
+                <a16:creationId xmlns:a16="http://schemas.microsoft.com/office/drawing/2014/main" id="{77ECBD63-100A-8907-93F4-CEAE8DDCFA53}"/>
+              </a:ext>
+            </a:extLst>
+          </p:cNvPr>
+          <p:cNvPicPr>
+            <a:picLocks noChangeAspect="1"/>
+          </p:cNvPicPr>
+          <p:nvPr/>
+        </p:nvPicPr>
+        <p:blipFill>
+          <a:blip r:embed="rId3"/>
+          <a:stretch>
+            <a:fillRect/>
+          </a:stretch>
+        </p:blipFill>
+        <p:spPr>
+          <a:xfrm>
+            <a:off x="5275429" y="2743471"/>
+            <a:ext cx="4505954" cy="1905266"/>
+          </a:xfrm>
+          <a:prstGeom prst="rect">
+            <a:avLst/>
+          </a:prstGeom>
+        </p:spPr>
+      </p:pic>
+    </p:spTree>
+    <p:extLst>
+      <p:ext uri="{BB962C8B-B14F-4D97-AF65-F5344CB8AC3E}">
+        <p14:creationId xmlns:p14="http://schemas.microsoft.com/office/powerpoint/2010/main" val="867457864"/>
+      </p:ext>
+    </p:extLst>
+  </p:cSld>
+  <p:clrMapOvr>
+    <a:masterClrMapping/>
+  </p:clrMapOvr>
+</p:sld>
+</file>
+
+<file path=ppt/slides/slide5.xml><?xml version="1.0" encoding="utf-8"?>
+<p:sld xmlns:a="http://schemas.openxmlformats.org/drawingml/2006/main" xmlns:r="http://schemas.openxmlformats.org/officeDocument/2006/relationships" xmlns:p="http://schemas.openxmlformats.org/presentationml/2006/main">
+  <p:cSld>
+    <p:spTree>
+      <p:nvGrpSpPr>
+        <p:cNvPr id="1" name="">
+          <a:extLst>
+            <a:ext uri="{FF2B5EF4-FFF2-40B4-BE49-F238E27FC236}">
+              <a16:creationId xmlns:a16="http://schemas.microsoft.com/office/drawing/2014/main" id="{C277A638-6599-22E4-DB64-6C9610AFE01C}"/>
+            </a:ext>
+          </a:extLst>
+        </p:cNvPr>
+        <p:cNvGrpSpPr/>
+        <p:nvPr/>
+      </p:nvGrpSpPr>
+      <p:grpSpPr>
+        <a:xfrm>
+          <a:off x="0" y="0"/>
+          <a:ext cx="0" cy="0"/>
+          <a:chOff x="0" y="0"/>
+          <a:chExt cx="0" cy="0"/>
+        </a:xfrm>
+      </p:grpSpPr>
+      <p:sp>
+        <p:nvSpPr>
+          <p:cNvPr id="2" name="Title 1">
+            <a:extLst>
+              <a:ext uri="{FF2B5EF4-FFF2-40B4-BE49-F238E27FC236}">
+                <a16:creationId xmlns:a16="http://schemas.microsoft.com/office/drawing/2014/main" id="{9A5F2729-821E-7655-468D-9608E021ABEE}"/>
+              </a:ext>
+            </a:extLst>
+          </p:cNvPr>
+          <p:cNvSpPr>
+            <a:spLocks noGrp="1"/>
+          </p:cNvSpPr>
+          <p:nvPr>
+            <p:ph type="title"/>
+          </p:nvPr>
+        </p:nvSpPr>
+        <p:spPr/>
+        <p:txBody>
+          <a:bodyPr/>
+          <a:lstStyle/>
+          <a:p>
+            <a:r>
+              <a:rPr lang="en-US" dirty="0"/>
+              <a:t>Project GUI (Home and Profile Page)</a:t>
+            </a:r>
+          </a:p>
+        </p:txBody>
+      </p:sp>
+      <p:sp>
+        <p:nvSpPr>
+          <p:cNvPr id="3" name="Content Placeholder 2">
+            <a:extLst>
+              <a:ext uri="{FF2B5EF4-FFF2-40B4-BE49-F238E27FC236}">
+                <a16:creationId xmlns:a16="http://schemas.microsoft.com/office/drawing/2014/main" id="{51D95B24-8BD7-831C-562F-8CA77D793DE5}"/>
+              </a:ext>
+            </a:extLst>
+          </p:cNvPr>
+          <p:cNvSpPr>
+            <a:spLocks noGrp="1"/>
+          </p:cNvSpPr>
+          <p:nvPr>
+            <p:ph idx="1"/>
+          </p:nvPr>
+        </p:nvSpPr>
+        <p:spPr/>
+        <p:txBody>
+          <a:bodyPr/>
+          <a:lstStyle/>
+          <a:p>
+            <a:pPr marL="0" indent="0">
+              <a:buNone/>
+            </a:pPr>
+            <a:r>
+              <a:rPr lang="en-US" dirty="0"/>
+              <a:t>Going back to the home page, the user can either click on “Add User Finical Info” or the “Help” button. Clicking on the help button will direct the user to a help page. Clicking on the add finical info button will bring the user to a page which will allow them to fill in finical info. </a:t>
+            </a:r>
+          </a:p>
+          <a:p>
+            <a:pPr marL="0" indent="0">
+              <a:buNone/>
+            </a:pPr>
+            <a:endParaRPr lang="en-US" dirty="0"/>
+          </a:p>
+          <a:p>
+            <a:pPr marL="0" indent="0">
+              <a:buNone/>
+            </a:pPr>
+            <a:endParaRPr lang="en-US" dirty="0"/>
+          </a:p>
+        </p:txBody>
+      </p:sp>
+      <p:pic>
+        <p:nvPicPr>
+          <p:cNvPr id="9" name="Picture 8">
+            <a:extLst>
+              <a:ext uri="{FF2B5EF4-FFF2-40B4-BE49-F238E27FC236}">
+                <a16:creationId xmlns:a16="http://schemas.microsoft.com/office/drawing/2014/main" id="{760D9C62-EAC7-958F-FF24-31143AAD572E}"/>
+              </a:ext>
+            </a:extLst>
+          </p:cNvPr>
+          <p:cNvPicPr>
+            <a:picLocks noChangeAspect="1"/>
+          </p:cNvPicPr>
+          <p:nvPr/>
+        </p:nvPicPr>
+        <p:blipFill>
+          <a:blip r:embed="rId2"/>
+          <a:stretch>
+            <a:fillRect/>
+          </a:stretch>
+        </p:blipFill>
+        <p:spPr>
+          <a:xfrm>
+            <a:off x="1209030" y="3170386"/>
+            <a:ext cx="4301160" cy="931535"/>
+          </a:xfrm>
+          <a:prstGeom prst="rect">
+            <a:avLst/>
+          </a:prstGeom>
+        </p:spPr>
+      </p:pic>
+      <p:pic>
+        <p:nvPicPr>
+          <p:cNvPr id="11" name="Picture 10">
+            <a:extLst>
+              <a:ext uri="{FF2B5EF4-FFF2-40B4-BE49-F238E27FC236}">
+                <a16:creationId xmlns:a16="http://schemas.microsoft.com/office/drawing/2014/main" id="{B6979B21-30DD-0121-F4AD-567AF2A29A43}"/>
+              </a:ext>
+            </a:extLst>
+          </p:cNvPr>
+          <p:cNvPicPr>
+            <a:picLocks noChangeAspect="1"/>
+          </p:cNvPicPr>
+          <p:nvPr/>
+        </p:nvPicPr>
+        <p:blipFill>
+          <a:blip r:embed="rId3"/>
+          <a:stretch>
+            <a:fillRect/>
+          </a:stretch>
+        </p:blipFill>
+        <p:spPr>
+          <a:xfrm>
+            <a:off x="6458566" y="3170386"/>
+            <a:ext cx="2904376" cy="2936380"/>
+          </a:xfrm>
+          <a:prstGeom prst="rect">
+            <a:avLst/>
+          </a:prstGeom>
+        </p:spPr>
+      </p:pic>
+    </p:spTree>
+    <p:extLst>
+      <p:ext uri="{BB962C8B-B14F-4D97-AF65-F5344CB8AC3E}">
+        <p14:creationId xmlns:p14="http://schemas.microsoft.com/office/powerpoint/2010/main" val="436150941"/>
+      </p:ext>
+    </p:extLst>
+  </p:cSld>
+  <p:clrMapOvr>
+    <a:masterClrMapping/>
+  </p:clrMapOvr>
+</p:sld>
+</file>
+
+<file path=ppt/slides/slide6.xml><?xml version="1.0" encoding="utf-8"?>
+<p:sld xmlns:a="http://schemas.openxmlformats.org/drawingml/2006/main" xmlns:r="http://schemas.openxmlformats.org/officeDocument/2006/relationships" xmlns:p="http://schemas.openxmlformats.org/presentationml/2006/main">
+  <p:cSld>
+    <p:spTree>
+      <p:nvGrpSpPr>
+        <p:cNvPr id="1" name="">
+          <a:extLst>
+            <a:ext uri="{FF2B5EF4-FFF2-40B4-BE49-F238E27FC236}">
+              <a16:creationId xmlns:a16="http://schemas.microsoft.com/office/drawing/2014/main" id="{0EBCA85A-5F98-4C78-3FA6-7A5414D2400D}"/>
+            </a:ext>
+          </a:extLst>
+        </p:cNvPr>
+        <p:cNvGrpSpPr/>
+        <p:nvPr/>
+      </p:nvGrpSpPr>
+      <p:grpSpPr>
+        <a:xfrm>
+          <a:off x="0" y="0"/>
+          <a:ext cx="0" cy="0"/>
+          <a:chOff x="0" y="0"/>
+          <a:chExt cx="0" cy="0"/>
+        </a:xfrm>
+      </p:grpSpPr>
+      <p:sp>
+        <p:nvSpPr>
+          <p:cNvPr id="2" name="Title 1">
+            <a:extLst>
+              <a:ext uri="{FF2B5EF4-FFF2-40B4-BE49-F238E27FC236}">
+                <a16:creationId xmlns:a16="http://schemas.microsoft.com/office/drawing/2014/main" id="{47BFE24D-9553-7471-F27A-C4497A0D1803}"/>
+              </a:ext>
+            </a:extLst>
+          </p:cNvPr>
+          <p:cNvSpPr>
+            <a:spLocks noGrp="1"/>
+          </p:cNvSpPr>
+          <p:nvPr>
+            <p:ph type="title"/>
+          </p:nvPr>
+        </p:nvSpPr>
+        <p:spPr/>
+        <p:txBody>
+          <a:bodyPr/>
+          <a:lstStyle/>
+          <a:p>
+            <a:r>
+              <a:rPr lang="en-US" dirty="0"/>
+              <a:t>Project GUI (Financial Page)</a:t>
+            </a:r>
+          </a:p>
+        </p:txBody>
+      </p:sp>
+      <p:sp>
+        <p:nvSpPr>
+          <p:cNvPr id="3" name="Content Placeholder 2">
+            <a:extLst>
+              <a:ext uri="{FF2B5EF4-FFF2-40B4-BE49-F238E27FC236}">
+                <a16:creationId xmlns:a16="http://schemas.microsoft.com/office/drawing/2014/main" id="{98619DE0-1A12-EC57-2BA8-D4E9639087D0}"/>
+              </a:ext>
+            </a:extLst>
+          </p:cNvPr>
+          <p:cNvSpPr>
+            <a:spLocks noGrp="1"/>
+          </p:cNvSpPr>
+          <p:nvPr>
+            <p:ph idx="1"/>
+          </p:nvPr>
+        </p:nvSpPr>
+        <p:spPr/>
+        <p:txBody>
+          <a:bodyPr/>
+          <a:lstStyle/>
+          <a:p>
+            <a:pPr marL="0" indent="0">
+              <a:buNone/>
+            </a:pPr>
+            <a:r>
+              <a:rPr lang="en-US" dirty="0"/>
+              <a:t>The user can now enter their assets, labilities, income and expenses. If the user enters wrong data, then an error pop up will appear. Only digits can be entered. </a:t>
+            </a:r>
+          </a:p>
+          <a:p>
+            <a:pPr marL="0" indent="0">
+              <a:buNone/>
+            </a:pPr>
+            <a:endParaRPr lang="en-US" dirty="0"/>
+          </a:p>
+        </p:txBody>
+      </p:sp>
+      <p:pic>
+        <p:nvPicPr>
+          <p:cNvPr id="5" name="Picture 4">
+            <a:extLst>
+              <a:ext uri="{FF2B5EF4-FFF2-40B4-BE49-F238E27FC236}">
+                <a16:creationId xmlns:a16="http://schemas.microsoft.com/office/drawing/2014/main" id="{355BDBFD-8884-8FB8-B121-028489CA0377}"/>
+              </a:ext>
+            </a:extLst>
+          </p:cNvPr>
+          <p:cNvPicPr>
+            <a:picLocks noChangeAspect="1"/>
+          </p:cNvPicPr>
+          <p:nvPr/>
+        </p:nvPicPr>
+        <p:blipFill>
+          <a:blip r:embed="rId2"/>
+          <a:stretch>
+            <a:fillRect/>
+          </a:stretch>
+        </p:blipFill>
+        <p:spPr>
+          <a:xfrm>
+            <a:off x="2059466" y="3395521"/>
+            <a:ext cx="3252173" cy="3340909"/>
+          </a:xfrm>
+          <a:prstGeom prst="rect">
+            <a:avLst/>
+          </a:prstGeom>
+        </p:spPr>
+      </p:pic>
+      <p:pic>
+        <p:nvPicPr>
+          <p:cNvPr id="7" name="Picture 6">
+            <a:extLst>
+              <a:ext uri="{FF2B5EF4-FFF2-40B4-BE49-F238E27FC236}">
+                <a16:creationId xmlns:a16="http://schemas.microsoft.com/office/drawing/2014/main" id="{C98F4B40-F13A-F090-9645-C1CA1533B230}"/>
+              </a:ext>
+            </a:extLst>
+          </p:cNvPr>
+          <p:cNvPicPr>
+            <a:picLocks noChangeAspect="1"/>
+          </p:cNvPicPr>
+          <p:nvPr/>
+        </p:nvPicPr>
+        <p:blipFill>
+          <a:blip r:embed="rId3"/>
+          <a:stretch>
+            <a:fillRect/>
+          </a:stretch>
+        </p:blipFill>
+        <p:spPr>
+          <a:xfrm>
+            <a:off x="2379844" y="2432385"/>
+            <a:ext cx="2701570" cy="894397"/>
+          </a:xfrm>
+          <a:prstGeom prst="rect">
+            <a:avLst/>
+          </a:prstGeom>
+        </p:spPr>
+      </p:pic>
+      <p:pic>
+        <p:nvPicPr>
+          <p:cNvPr id="10" name="Picture 9">
+            <a:extLst>
+              <a:ext uri="{FF2B5EF4-FFF2-40B4-BE49-F238E27FC236}">
+                <a16:creationId xmlns:a16="http://schemas.microsoft.com/office/drawing/2014/main" id="{6E1375E8-6324-11A6-54B0-58AF8D449A45}"/>
+              </a:ext>
+            </a:extLst>
+          </p:cNvPr>
+          <p:cNvPicPr>
+            <a:picLocks noChangeAspect="1"/>
+          </p:cNvPicPr>
+          <p:nvPr/>
+        </p:nvPicPr>
+        <p:blipFill>
+          <a:blip r:embed="rId4"/>
+          <a:stretch>
+            <a:fillRect/>
+          </a:stretch>
+        </p:blipFill>
+        <p:spPr>
+          <a:xfrm>
+            <a:off x="5443643" y="3395521"/>
+            <a:ext cx="3396880" cy="3472262"/>
+          </a:xfrm>
+          <a:prstGeom prst="rect">
+            <a:avLst/>
+          </a:prstGeom>
+        </p:spPr>
+      </p:pic>
+    </p:spTree>
+    <p:extLst>
+      <p:ext uri="{BB962C8B-B14F-4D97-AF65-F5344CB8AC3E}">
+        <p14:creationId xmlns:p14="http://schemas.microsoft.com/office/powerpoint/2010/main" val="2724187736"/>
+      </p:ext>
+    </p:extLst>
+  </p:cSld>
+  <p:clrMapOvr>
+    <a:masterClrMapping/>
+  </p:clrMapOvr>
+</p:sld>
+</file>
+
+<file path=ppt/slides/slide7.xml><?xml version="1.0" encoding="utf-8"?>
+<p:sld xmlns:a="http://schemas.openxmlformats.org/drawingml/2006/main" xmlns:r="http://schemas.openxmlformats.org/officeDocument/2006/relationships" xmlns:p="http://schemas.openxmlformats.org/presentationml/2006/main">
+  <p:cSld>
+    <p:spTree>
+      <p:nvGrpSpPr>
+        <p:cNvPr id="1" name="">
+          <a:extLst>
+            <a:ext uri="{FF2B5EF4-FFF2-40B4-BE49-F238E27FC236}">
+              <a16:creationId xmlns:a16="http://schemas.microsoft.com/office/drawing/2014/main" id="{292BBEDE-ECBD-15C1-0DC1-DB04573D260D}"/>
+            </a:ext>
+          </a:extLst>
+        </p:cNvPr>
+        <p:cNvGrpSpPr/>
+        <p:nvPr/>
+      </p:nvGrpSpPr>
+      <p:grpSpPr>
+        <a:xfrm>
+          <a:off x="0" y="0"/>
+          <a:ext cx="0" cy="0"/>
+          <a:chOff x="0" y="0"/>
+          <a:chExt cx="0" cy="0"/>
+        </a:xfrm>
+      </p:grpSpPr>
+      <p:sp>
+        <p:nvSpPr>
+          <p:cNvPr id="2" name="Title 1">
+            <a:extLst>
+              <a:ext uri="{FF2B5EF4-FFF2-40B4-BE49-F238E27FC236}">
+                <a16:creationId xmlns:a16="http://schemas.microsoft.com/office/drawing/2014/main" id="{6FC6338B-DBDE-39F2-2483-FCA292FD57DF}"/>
+              </a:ext>
+            </a:extLst>
+          </p:cNvPr>
+          <p:cNvSpPr>
+            <a:spLocks noGrp="1"/>
+          </p:cNvSpPr>
+          <p:nvPr>
+            <p:ph type="title"/>
+          </p:nvPr>
+        </p:nvSpPr>
+        <p:spPr/>
+        <p:txBody>
+          <a:bodyPr/>
+          <a:lstStyle/>
+          <a:p>
+            <a:r>
+              <a:rPr lang="en-US" dirty="0"/>
+              <a:t>Project GUI (Financial Page)</a:t>
+            </a:r>
+          </a:p>
+        </p:txBody>
+      </p:sp>
+      <p:sp>
+        <p:nvSpPr>
+          <p:cNvPr id="3" name="Content Placeholder 2">
+            <a:extLst>
+              <a:ext uri="{FF2B5EF4-FFF2-40B4-BE49-F238E27FC236}">
+                <a16:creationId xmlns:a16="http://schemas.microsoft.com/office/drawing/2014/main" id="{77E15524-84E7-8DCF-D80C-65BFCDA3BFFC}"/>
+              </a:ext>
+            </a:extLst>
+          </p:cNvPr>
+          <p:cNvSpPr>
+            <a:spLocks noGrp="1"/>
+          </p:cNvSpPr>
+          <p:nvPr>
+            <p:ph idx="1"/>
+          </p:nvPr>
+        </p:nvSpPr>
+        <p:spPr/>
+        <p:txBody>
+          <a:bodyPr/>
+          <a:lstStyle/>
+          <a:p>
+            <a:pPr marL="0" indent="0">
+              <a:buNone/>
+            </a:pPr>
+            <a:r>
+              <a:rPr lang="en-US" dirty="0"/>
+              <a:t>On the previous page in which they entered their financial data, the user will click the “calculate” button. A pop up with their info, calculated data and a pie chart visual to make it easier for understand. </a:t>
+            </a:r>
+          </a:p>
+          <a:p>
+            <a:pPr marL="0" indent="0">
+              <a:buNone/>
+            </a:pPr>
+            <a:endParaRPr lang="en-US" dirty="0"/>
+          </a:p>
+        </p:txBody>
+      </p:sp>
+      <p:pic>
+        <p:nvPicPr>
+          <p:cNvPr id="6" name="Picture 5">
+            <a:extLst>
+              <a:ext uri="{FF2B5EF4-FFF2-40B4-BE49-F238E27FC236}">
+                <a16:creationId xmlns:a16="http://schemas.microsoft.com/office/drawing/2014/main" id="{07762180-7AB5-FEAA-2953-C4D4495AE993}"/>
+              </a:ext>
+            </a:extLst>
+          </p:cNvPr>
+          <p:cNvPicPr>
+            <a:picLocks noChangeAspect="1"/>
+          </p:cNvPicPr>
+          <p:nvPr/>
+        </p:nvPicPr>
+        <p:blipFill>
+          <a:blip r:embed="rId2"/>
+          <a:stretch>
+            <a:fillRect/>
+          </a:stretch>
+        </p:blipFill>
+        <p:spPr>
+          <a:xfrm>
+            <a:off x="1601662" y="2777717"/>
+            <a:ext cx="3588524" cy="3668158"/>
+          </a:xfrm>
+          <a:prstGeom prst="rect">
+            <a:avLst/>
+          </a:prstGeom>
+        </p:spPr>
+      </p:pic>
+      <p:pic>
+        <p:nvPicPr>
+          <p:cNvPr id="9" name="Picture 8">
+            <a:extLst>
+              <a:ext uri="{FF2B5EF4-FFF2-40B4-BE49-F238E27FC236}">
+                <a16:creationId xmlns:a16="http://schemas.microsoft.com/office/drawing/2014/main" id="{590EE013-9084-471D-A562-AF7CBCC1399F}"/>
+              </a:ext>
+            </a:extLst>
+          </p:cNvPr>
+          <p:cNvPicPr>
+            <a:picLocks noChangeAspect="1"/>
+          </p:cNvPicPr>
+          <p:nvPr/>
+        </p:nvPicPr>
+        <p:blipFill>
+          <a:blip r:embed="rId3"/>
+          <a:stretch>
+            <a:fillRect/>
+          </a:stretch>
+        </p:blipFill>
+        <p:spPr>
+          <a:xfrm>
+            <a:off x="6043419" y="2762182"/>
+            <a:ext cx="3383916" cy="3683693"/>
+          </a:xfrm>
+          <a:prstGeom prst="rect">
+            <a:avLst/>
+          </a:prstGeom>
+        </p:spPr>
+      </p:pic>
+    </p:spTree>
+    <p:extLst>
+      <p:ext uri="{BB962C8B-B14F-4D97-AF65-F5344CB8AC3E}">
+        <p14:creationId xmlns:p14="http://schemas.microsoft.com/office/powerpoint/2010/main" val="2018505834"/>
       </p:ext>
     </p:extLst>
   </p:cSld>
